--- a/day3/day3.pptx
+++ b/day3/day3.pptx
@@ -5,7 +5,7 @@
     <p:sldMasterId id="2147483702" r:id="rId1"/>
   </p:sldMasterIdLst>
   <p:notesMasterIdLst>
-    <p:notesMasterId r:id="rId19"/>
+    <p:notesMasterId r:id="rId22"/>
   </p:notesMasterIdLst>
   <p:sldIdLst>
     <p:sldId id="286" r:id="rId2"/>
@@ -25,6 +25,9 @@
     <p:sldId id="292" r:id="rId16"/>
     <p:sldId id="293" r:id="rId17"/>
     <p:sldId id="294" r:id="rId18"/>
+    <p:sldId id="295" r:id="rId19"/>
+    <p:sldId id="296" r:id="rId20"/>
+    <p:sldId id="297" r:id="rId21"/>
   </p:sldIdLst>
   <p:sldSz cx="10693400" cy="7556500"/>
   <p:notesSz cx="10693400" cy="7556500"/>
@@ -42979,86 +42982,6 @@
           </a:p>
         </p:txBody>
       </p:sp>
-      <p:sp>
-        <p:nvSpPr>
-          <p:cNvPr id="9" name="TextBox 8">
-            <a:extLst>
-              <a:ext uri="{FF2B5EF4-FFF2-40B4-BE49-F238E27FC236}">
-                <a16:creationId xmlns:a16="http://schemas.microsoft.com/office/drawing/2014/main" id="{FD150733-1B0B-17CC-15B1-94C9B59D3BE3}"/>
-              </a:ext>
-            </a:extLst>
-          </p:cNvPr>
-          <p:cNvSpPr txBox="1"/>
-          <p:nvPr/>
-        </p:nvSpPr>
-        <p:spPr>
-          <a:xfrm>
-            <a:off x="3594100" y="6796364"/>
-            <a:ext cx="5345206" cy="369332"/>
-          </a:xfrm>
-          <a:prstGeom prst="rect">
-            <a:avLst/>
-          </a:prstGeom>
-          <a:noFill/>
-        </p:spPr>
-        <p:txBody>
-          <a:bodyPr wrap="square">
-            <a:spAutoFit/>
-          </a:bodyPr>
-          <a:lstStyle/>
-          <a:p>
-            <a:pPr algn="l">
-              <a:defRPr sz="1800" b="0">
-                <a:solidFill>
-                  <a:srgbClr val="646464"/>
-                </a:solidFill>
-              </a:defRPr>
-            </a:pPr>
-            <a:r>
-              <a:rPr lang="en-IN" sz="1800" dirty="0">
-                <a:solidFill>
-                  <a:srgbClr val="323232"/>
-                </a:solidFill>
-                <a:latin typeface="Calibri"/>
-              </a:rPr>
-              <a:t>Powered by </a:t>
-            </a:r>
-            <a:r>
-              <a:rPr lang="en-IN" sz="1800" dirty="0" err="1">
-                <a:solidFill>
-                  <a:srgbClr val="323232"/>
-                </a:solidFill>
-                <a:latin typeface="Calibri"/>
-              </a:rPr>
-              <a:t>PurpleSkill</a:t>
-            </a:r>
-            <a:r>
-              <a:rPr lang="en-IN" sz="1800" dirty="0">
-                <a:solidFill>
-                  <a:srgbClr val="323232"/>
-                </a:solidFill>
-                <a:latin typeface="Calibri"/>
-              </a:rPr>
-              <a:t> &amp; </a:t>
-            </a:r>
-            <a:r>
-              <a:rPr lang="en-IN" sz="1800" dirty="0" err="1">
-                <a:solidFill>
-                  <a:srgbClr val="323232"/>
-                </a:solidFill>
-                <a:latin typeface="Calibri"/>
-              </a:rPr>
-              <a:t>SpanLabs</a:t>
-            </a:r>
-            <a:endParaRPr lang="en-IN" sz="1800" dirty="0">
-              <a:solidFill>
-                <a:srgbClr val="323232"/>
-              </a:solidFill>
-              <a:latin typeface="Calibri"/>
-            </a:endParaRPr>
-          </a:p>
-        </p:txBody>
-      </p:sp>
     </p:spTree>
   </p:cSld>
   <p:clrMapOvr>
@@ -44476,6 +44399,1227 @@
 </p:sld>
 </file>
 
+<file path=ppt/slides/slide18.xml><?xml version="1.0" encoding="utf-8"?>
+<p:sld xmlns:a="http://schemas.openxmlformats.org/drawingml/2006/main" xmlns:r="http://schemas.openxmlformats.org/officeDocument/2006/relationships" xmlns:p="http://schemas.openxmlformats.org/presentationml/2006/main">
+  <p:cSld>
+    <p:spTree>
+      <p:nvGrpSpPr>
+        <p:cNvPr id="1" name=""/>
+        <p:cNvGrpSpPr/>
+        <p:nvPr/>
+      </p:nvGrpSpPr>
+      <p:grpSpPr>
+        <a:xfrm>
+          <a:off x="0" y="0"/>
+          <a:ext cx="0" cy="0"/>
+          <a:chOff x="0" y="0"/>
+          <a:chExt cx="0" cy="0"/>
+        </a:xfrm>
+      </p:grpSpPr>
+      <p:sp>
+        <p:nvSpPr>
+          <p:cNvPr id="2" name="Title 1">
+            <a:extLst>
+              <a:ext uri="{FF2B5EF4-FFF2-40B4-BE49-F238E27FC236}">
+                <a16:creationId xmlns:a16="http://schemas.microsoft.com/office/drawing/2014/main" id="{21A71C31-08E1-B106-E5D5-7DA1234ABA79}"/>
+              </a:ext>
+            </a:extLst>
+          </p:cNvPr>
+          <p:cNvSpPr>
+            <a:spLocks noGrp="1"/>
+          </p:cNvSpPr>
+          <p:nvPr>
+            <p:ph type="title"/>
+          </p:nvPr>
+        </p:nvSpPr>
+        <p:spPr/>
+        <p:txBody>
+          <a:bodyPr/>
+          <a:lstStyle/>
+          <a:p>
+            <a:r>
+              <a:rPr lang="en-IN" dirty="0"/>
+              <a:t>What is LangGraph</a:t>
+            </a:r>
+          </a:p>
+        </p:txBody>
+      </p:sp>
+      <p:sp>
+        <p:nvSpPr>
+          <p:cNvPr id="3" name="Content Placeholder 2">
+            <a:extLst>
+              <a:ext uri="{FF2B5EF4-FFF2-40B4-BE49-F238E27FC236}">
+                <a16:creationId xmlns:a16="http://schemas.microsoft.com/office/drawing/2014/main" id="{92E338DC-1A90-F697-318A-7F8819245CC8}"/>
+              </a:ext>
+            </a:extLst>
+          </p:cNvPr>
+          <p:cNvSpPr>
+            <a:spLocks noGrp="1"/>
+          </p:cNvSpPr>
+          <p:nvPr>
+            <p:ph idx="1"/>
+          </p:nvPr>
+        </p:nvSpPr>
+        <p:spPr/>
+        <p:txBody>
+          <a:bodyPr/>
+          <a:lstStyle/>
+          <a:p>
+            <a:r>
+              <a:rPr lang="en-US" b="1" dirty="0"/>
+              <a:t>LangGraph</a:t>
+            </a:r>
+            <a:r>
+              <a:rPr lang="en-US" dirty="0"/>
+              <a:t> is a library built on top of </a:t>
+            </a:r>
+            <a:r>
+              <a:rPr lang="en-US" dirty="0" err="1"/>
+              <a:t>LangChain</a:t>
+            </a:r>
+            <a:r>
+              <a:rPr lang="en-US" dirty="0"/>
+              <a:t> designed to create </a:t>
+            </a:r>
+            <a:r>
+              <a:rPr lang="en-US" b="1" dirty="0"/>
+              <a:t>stateful, multi-actor applications</a:t>
+            </a:r>
+            <a:r>
+              <a:rPr lang="en-US" dirty="0"/>
+              <a:t>.</a:t>
+            </a:r>
+          </a:p>
+          <a:p>
+            <a:r>
+              <a:rPr lang="en-US" dirty="0"/>
+              <a:t>While standard </a:t>
+            </a:r>
+            <a:r>
+              <a:rPr lang="en-US" dirty="0" err="1"/>
+              <a:t>LangChain</a:t>
+            </a:r>
+            <a:r>
+              <a:rPr lang="en-US" dirty="0"/>
+              <a:t> is great for "Chains" (linear, one-way sequences), LangGraph is built for </a:t>
+            </a:r>
+            <a:r>
+              <a:rPr lang="en-US" b="1" dirty="0"/>
+              <a:t>Graphs</a:t>
+            </a:r>
+            <a:r>
+              <a:rPr lang="en-US" dirty="0"/>
+              <a:t> (complex workflows with loops, cycles, and conditional logic).</a:t>
+            </a:r>
+          </a:p>
+          <a:p>
+            <a:endParaRPr lang="en-IN" dirty="0"/>
+          </a:p>
+        </p:txBody>
+      </p:sp>
+    </p:spTree>
+    <p:extLst>
+      <p:ext uri="{BB962C8B-B14F-4D97-AF65-F5344CB8AC3E}">
+        <p14:creationId xmlns:p14="http://schemas.microsoft.com/office/powerpoint/2010/main" val="1312317504"/>
+      </p:ext>
+    </p:extLst>
+  </p:cSld>
+  <p:clrMapOvr>
+    <a:masterClrMapping/>
+  </p:clrMapOvr>
+</p:sld>
+</file>
+
+<file path=ppt/slides/slide19.xml><?xml version="1.0" encoding="utf-8"?>
+<p:sld xmlns:a="http://schemas.openxmlformats.org/drawingml/2006/main" xmlns:r="http://schemas.openxmlformats.org/officeDocument/2006/relationships" xmlns:p="http://schemas.openxmlformats.org/presentationml/2006/main">
+  <p:cSld>
+    <p:spTree>
+      <p:nvGrpSpPr>
+        <p:cNvPr id="1" name=""/>
+        <p:cNvGrpSpPr/>
+        <p:nvPr/>
+      </p:nvGrpSpPr>
+      <p:grpSpPr>
+        <a:xfrm>
+          <a:off x="0" y="0"/>
+          <a:ext cx="0" cy="0"/>
+          <a:chOff x="0" y="0"/>
+          <a:chExt cx="0" cy="0"/>
+        </a:xfrm>
+      </p:grpSpPr>
+      <p:graphicFrame>
+        <p:nvGraphicFramePr>
+          <p:cNvPr id="4" name="Content Placeholder 3">
+            <a:extLst>
+              <a:ext uri="{FF2B5EF4-FFF2-40B4-BE49-F238E27FC236}">
+                <a16:creationId xmlns:a16="http://schemas.microsoft.com/office/drawing/2014/main" id="{2DEFE3D6-044D-C123-245D-B75D2251243A}"/>
+              </a:ext>
+            </a:extLst>
+          </p:cNvPr>
+          <p:cNvGraphicFramePr>
+            <a:graphicFrameLocks noGrp="1"/>
+          </p:cNvGraphicFramePr>
+          <p:nvPr>
+            <p:ph idx="1"/>
+            <p:extLst>
+              <p:ext uri="{D42A27DB-BD31-4B8C-83A1-F6EECF244321}">
+                <p14:modId xmlns:p14="http://schemas.microsoft.com/office/powerpoint/2010/main" val="727785589"/>
+              </p:ext>
+            </p:extLst>
+          </p:nvPr>
+        </p:nvGraphicFramePr>
+        <p:xfrm>
+          <a:off x="1155698" y="1035050"/>
+          <a:ext cx="8686800" cy="5356080"/>
+        </p:xfrm>
+        <a:graphic>
+          <a:graphicData uri="http://schemas.openxmlformats.org/drawingml/2006/table">
+            <a:tbl>
+              <a:tblPr/>
+              <a:tblGrid>
+                <a:gridCol w="2895600">
+                  <a:extLst>
+                    <a:ext uri="{9D8B030D-6E8A-4147-A177-3AD203B41FA5}">
+                      <a16:colId xmlns:a16="http://schemas.microsoft.com/office/drawing/2014/main" val="1098593283"/>
+                    </a:ext>
+                  </a:extLst>
+                </a:gridCol>
+                <a:gridCol w="2895600">
+                  <a:extLst>
+                    <a:ext uri="{9D8B030D-6E8A-4147-A177-3AD203B41FA5}">
+                      <a16:colId xmlns:a16="http://schemas.microsoft.com/office/drawing/2014/main" val="2091881699"/>
+                    </a:ext>
+                  </a:extLst>
+                </a:gridCol>
+                <a:gridCol w="2895600">
+                  <a:extLst>
+                    <a:ext uri="{9D8B030D-6E8A-4147-A177-3AD203B41FA5}">
+                      <a16:colId xmlns:a16="http://schemas.microsoft.com/office/drawing/2014/main" val="959594080"/>
+                    </a:ext>
+                  </a:extLst>
+                </a:gridCol>
+              </a:tblGrid>
+              <a:tr h="297596">
+                <a:tc>
+                  <a:txBody>
+                    <a:bodyPr/>
+                    <a:lstStyle/>
+                    <a:p>
+                      <a:pPr rtl="0">
+                        <a:buNone/>
+                      </a:pPr>
+                      <a:r>
+                        <a:rPr lang="en-IN" sz="1000" b="1">
+                          <a:solidFill>
+                            <a:srgbClr val="1F1F1F"/>
+                          </a:solidFill>
+                          <a:effectLst/>
+                          <a:latin typeface="Google Sans Text"/>
+                        </a:rPr>
+                        <a:t>Concept</a:t>
+                      </a:r>
+                      <a:endParaRPr lang="en-IN" sz="1000">
+                        <a:solidFill>
+                          <a:srgbClr val="1F1F1F"/>
+                        </a:solidFill>
+                        <a:effectLst/>
+                        <a:latin typeface="Google Sans Text"/>
+                      </a:endParaRPr>
+                    </a:p>
+                  </a:txBody>
+                  <a:tcPr marL="44145" marR="44145" marT="29430" marB="29430" anchor="ctr">
+                    <a:lnL w="7620" cap="flat" cmpd="sng" algn="ctr">
+                      <a:solidFill>
+                        <a:schemeClr val="bg1"/>
+                      </a:solidFill>
+                      <a:prstDash val="solid"/>
+                      <a:round/>
+                      <a:headEnd type="none" w="med" len="med"/>
+                      <a:tailEnd type="none" w="med" len="med"/>
+                    </a:lnL>
+                    <a:lnR w="7620" cap="flat" cmpd="sng" algn="ctr">
+                      <a:solidFill>
+                        <a:schemeClr val="bg1"/>
+                      </a:solidFill>
+                      <a:prstDash val="solid"/>
+                      <a:round/>
+                      <a:headEnd type="none" w="med" len="med"/>
+                      <a:tailEnd type="none" w="med" len="med"/>
+                    </a:lnR>
+                    <a:lnT w="7620" cap="flat" cmpd="sng" algn="ctr">
+                      <a:solidFill>
+                        <a:schemeClr val="bg1"/>
+                      </a:solidFill>
+                      <a:prstDash val="solid"/>
+                      <a:round/>
+                      <a:headEnd type="none" w="med" len="med"/>
+                      <a:tailEnd type="none" w="med" len="med"/>
+                    </a:lnT>
+                    <a:lnB w="7620" cap="flat" cmpd="sng" algn="ctr">
+                      <a:solidFill>
+                        <a:schemeClr val="bg1"/>
+                      </a:solidFill>
+                      <a:prstDash val="solid"/>
+                      <a:round/>
+                      <a:headEnd type="none" w="med" len="med"/>
+                      <a:tailEnd type="none" w="med" len="med"/>
+                    </a:lnB>
+                    <a:noFill/>
+                  </a:tcPr>
+                </a:tc>
+                <a:tc>
+                  <a:txBody>
+                    <a:bodyPr/>
+                    <a:lstStyle/>
+                    <a:p>
+                      <a:pPr rtl="0">
+                        <a:buNone/>
+                      </a:pPr>
+                      <a:r>
+                        <a:rPr lang="en-IN" sz="1000" b="1">
+                          <a:solidFill>
+                            <a:srgbClr val="1F1F1F"/>
+                          </a:solidFill>
+                          <a:effectLst/>
+                          <a:latin typeface="Google Sans Text"/>
+                        </a:rPr>
+                        <a:t>Analogy</a:t>
+                      </a:r>
+                      <a:endParaRPr lang="en-IN" sz="1000">
+                        <a:solidFill>
+                          <a:srgbClr val="1F1F1F"/>
+                        </a:solidFill>
+                        <a:effectLst/>
+                        <a:latin typeface="Google Sans Text"/>
+                      </a:endParaRPr>
+                    </a:p>
+                  </a:txBody>
+                  <a:tcPr marL="44145" marR="44145" marT="29430" marB="29430" anchor="ctr">
+                    <a:lnL w="7620" cap="flat" cmpd="sng" algn="ctr">
+                      <a:solidFill>
+                        <a:schemeClr val="bg1"/>
+                      </a:solidFill>
+                      <a:prstDash val="solid"/>
+                      <a:round/>
+                      <a:headEnd type="none" w="med" len="med"/>
+                      <a:tailEnd type="none" w="med" len="med"/>
+                    </a:lnL>
+                    <a:lnR w="7620" cap="flat" cmpd="sng" algn="ctr">
+                      <a:solidFill>
+                        <a:schemeClr val="bg1"/>
+                      </a:solidFill>
+                      <a:prstDash val="solid"/>
+                      <a:round/>
+                      <a:headEnd type="none" w="med" len="med"/>
+                      <a:tailEnd type="none" w="med" len="med"/>
+                    </a:lnR>
+                    <a:lnT w="7620" cap="flat" cmpd="sng" algn="ctr">
+                      <a:solidFill>
+                        <a:schemeClr val="bg1"/>
+                      </a:solidFill>
+                      <a:prstDash val="solid"/>
+                      <a:round/>
+                      <a:headEnd type="none" w="med" len="med"/>
+                      <a:tailEnd type="none" w="med" len="med"/>
+                    </a:lnT>
+                    <a:lnB w="7620" cap="flat" cmpd="sng" algn="ctr">
+                      <a:solidFill>
+                        <a:schemeClr val="bg1"/>
+                      </a:solidFill>
+                      <a:prstDash val="solid"/>
+                      <a:round/>
+                      <a:headEnd type="none" w="med" len="med"/>
+                      <a:tailEnd type="none" w="med" len="med"/>
+                    </a:lnB>
+                    <a:noFill/>
+                  </a:tcPr>
+                </a:tc>
+                <a:tc>
+                  <a:txBody>
+                    <a:bodyPr/>
+                    <a:lstStyle/>
+                    <a:p>
+                      <a:pPr rtl="0">
+                        <a:buNone/>
+                      </a:pPr>
+                      <a:r>
+                        <a:rPr lang="en-IN" sz="1000" b="1">
+                          <a:solidFill>
+                            <a:srgbClr val="1F1F1F"/>
+                          </a:solidFill>
+                          <a:effectLst/>
+                          <a:latin typeface="Google Sans Text"/>
+                        </a:rPr>
+                        <a:t>Technical Definition</a:t>
+                      </a:r>
+                      <a:endParaRPr lang="en-IN" sz="1000">
+                        <a:solidFill>
+                          <a:srgbClr val="1F1F1F"/>
+                        </a:solidFill>
+                        <a:effectLst/>
+                        <a:latin typeface="Google Sans Text"/>
+                      </a:endParaRPr>
+                    </a:p>
+                  </a:txBody>
+                  <a:tcPr marL="44145" marR="44145" marT="29430" marB="29430" anchor="ctr">
+                    <a:lnL w="7620" cap="flat" cmpd="sng" algn="ctr">
+                      <a:solidFill>
+                        <a:schemeClr val="bg1"/>
+                      </a:solidFill>
+                      <a:prstDash val="solid"/>
+                      <a:round/>
+                      <a:headEnd type="none" w="med" len="med"/>
+                      <a:tailEnd type="none" w="med" len="med"/>
+                    </a:lnL>
+                    <a:lnR w="7620" cap="flat" cmpd="sng" algn="ctr">
+                      <a:solidFill>
+                        <a:schemeClr val="bg1"/>
+                      </a:solidFill>
+                      <a:prstDash val="solid"/>
+                      <a:round/>
+                      <a:headEnd type="none" w="med" len="med"/>
+                      <a:tailEnd type="none" w="med" len="med"/>
+                    </a:lnR>
+                    <a:lnT w="7620" cap="flat" cmpd="sng" algn="ctr">
+                      <a:solidFill>
+                        <a:schemeClr val="bg1"/>
+                      </a:solidFill>
+                      <a:prstDash val="solid"/>
+                      <a:round/>
+                      <a:headEnd type="none" w="med" len="med"/>
+                      <a:tailEnd type="none" w="med" len="med"/>
+                    </a:lnT>
+                    <a:lnB w="7620" cap="flat" cmpd="sng" algn="ctr">
+                      <a:solidFill>
+                        <a:schemeClr val="bg1"/>
+                      </a:solidFill>
+                      <a:prstDash val="solid"/>
+                      <a:round/>
+                      <a:headEnd type="none" w="med" len="med"/>
+                      <a:tailEnd type="none" w="med" len="med"/>
+                    </a:lnB>
+                    <a:noFill/>
+                  </a:tcPr>
+                </a:tc>
+                <a:extLst>
+                  <a:ext uri="{0D108BD9-81ED-4DB2-BD59-A6C34878D82A}">
+                    <a16:rowId xmlns:a16="http://schemas.microsoft.com/office/drawing/2014/main" val="4053142580"/>
+                  </a:ext>
+                </a:extLst>
+              </a:tr>
+              <a:tr h="1315999">
+                <a:tc>
+                  <a:txBody>
+                    <a:bodyPr/>
+                    <a:lstStyle/>
+                    <a:p>
+                      <a:pPr rtl="0">
+                        <a:buNone/>
+                      </a:pPr>
+                      <a:r>
+                        <a:rPr lang="en-IN" sz="1000" b="1">
+                          <a:solidFill>
+                            <a:srgbClr val="1F1F1F"/>
+                          </a:solidFill>
+                          <a:effectLst/>
+                          <a:latin typeface="Google Sans Text"/>
+                        </a:rPr>
+                        <a:t>State</a:t>
+                      </a:r>
+                      <a:endParaRPr lang="en-IN" sz="1000">
+                        <a:solidFill>
+                          <a:srgbClr val="1F1F1F"/>
+                        </a:solidFill>
+                        <a:effectLst/>
+                        <a:latin typeface="Google Sans Text"/>
+                      </a:endParaRPr>
+                    </a:p>
+                  </a:txBody>
+                  <a:tcPr marL="44145" marR="44145" marT="29430" marB="29430" anchor="ctr">
+                    <a:lnL w="7620" cap="flat" cmpd="sng" algn="ctr">
+                      <a:solidFill>
+                        <a:schemeClr val="bg1"/>
+                      </a:solidFill>
+                      <a:prstDash val="solid"/>
+                      <a:round/>
+                      <a:headEnd type="none" w="med" len="med"/>
+                      <a:tailEnd type="none" w="med" len="med"/>
+                    </a:lnL>
+                    <a:lnR w="7620" cap="flat" cmpd="sng" algn="ctr">
+                      <a:solidFill>
+                        <a:schemeClr val="bg1"/>
+                      </a:solidFill>
+                      <a:prstDash val="solid"/>
+                      <a:round/>
+                      <a:headEnd type="none" w="med" len="med"/>
+                      <a:tailEnd type="none" w="med" len="med"/>
+                    </a:lnR>
+                    <a:lnT w="7620" cap="flat" cmpd="sng" algn="ctr">
+                      <a:solidFill>
+                        <a:schemeClr val="bg1"/>
+                      </a:solidFill>
+                      <a:prstDash val="solid"/>
+                      <a:round/>
+                      <a:headEnd type="none" w="med" len="med"/>
+                      <a:tailEnd type="none" w="med" len="med"/>
+                    </a:lnT>
+                    <a:lnB w="7620" cap="flat" cmpd="sng" algn="ctr">
+                      <a:solidFill>
+                        <a:schemeClr val="bg1"/>
+                      </a:solidFill>
+                      <a:prstDash val="solid"/>
+                      <a:round/>
+                      <a:headEnd type="none" w="med" len="med"/>
+                      <a:tailEnd type="none" w="med" len="med"/>
+                    </a:lnB>
+                    <a:noFill/>
+                  </a:tcPr>
+                </a:tc>
+                <a:tc>
+                  <a:txBody>
+                    <a:bodyPr/>
+                    <a:lstStyle/>
+                    <a:p>
+                      <a:pPr rtl="0">
+                        <a:buNone/>
+                      </a:pPr>
+                      <a:r>
+                        <a:rPr lang="en-IN" sz="1000" dirty="0">
+                          <a:solidFill>
+                            <a:srgbClr val="1F1F1F"/>
+                          </a:solidFill>
+                          <a:effectLst/>
+                          <a:latin typeface="Google Sans Text"/>
+                        </a:rPr>
+                        <a:t>The Whiteboard</a:t>
+                      </a:r>
+                    </a:p>
+                  </a:txBody>
+                  <a:tcPr marL="44145" marR="44145" marT="29430" marB="29430" anchor="ctr">
+                    <a:lnL w="7620" cap="flat" cmpd="sng" algn="ctr">
+                      <a:solidFill>
+                        <a:schemeClr val="bg1"/>
+                      </a:solidFill>
+                      <a:prstDash val="solid"/>
+                      <a:round/>
+                      <a:headEnd type="none" w="med" len="med"/>
+                      <a:tailEnd type="none" w="med" len="med"/>
+                    </a:lnL>
+                    <a:lnR w="7620" cap="flat" cmpd="sng" algn="ctr">
+                      <a:solidFill>
+                        <a:schemeClr val="bg1"/>
+                      </a:solidFill>
+                      <a:prstDash val="solid"/>
+                      <a:round/>
+                      <a:headEnd type="none" w="med" len="med"/>
+                      <a:tailEnd type="none" w="med" len="med"/>
+                    </a:lnR>
+                    <a:lnT w="7620" cap="flat" cmpd="sng" algn="ctr">
+                      <a:solidFill>
+                        <a:schemeClr val="bg1"/>
+                      </a:solidFill>
+                      <a:prstDash val="solid"/>
+                      <a:round/>
+                      <a:headEnd type="none" w="med" len="med"/>
+                      <a:tailEnd type="none" w="med" len="med"/>
+                    </a:lnT>
+                    <a:lnB w="7620" cap="flat" cmpd="sng" algn="ctr">
+                      <a:solidFill>
+                        <a:schemeClr val="bg1"/>
+                      </a:solidFill>
+                      <a:prstDash val="solid"/>
+                      <a:round/>
+                      <a:headEnd type="none" w="med" len="med"/>
+                      <a:tailEnd type="none" w="med" len="med"/>
+                    </a:lnB>
+                    <a:noFill/>
+                  </a:tcPr>
+                </a:tc>
+                <a:tc>
+                  <a:txBody>
+                    <a:bodyPr/>
+                    <a:lstStyle/>
+                    <a:p>
+                      <a:pPr rtl="0">
+                        <a:buNone/>
+                      </a:pPr>
+                      <a:r>
+                        <a:rPr lang="en-US" sz="1000">
+                          <a:solidFill>
+                            <a:srgbClr val="1F1F1F"/>
+                          </a:solidFill>
+                          <a:effectLst/>
+                          <a:latin typeface="Google Sans Text"/>
+                        </a:rPr>
+                        <a:t>A shared data structure (like a </a:t>
+                      </a:r>
+                      <a:r>
+                        <a:rPr lang="en-US" sz="1000">
+                          <a:solidFill>
+                            <a:srgbClr val="444746"/>
+                          </a:solidFill>
+                          <a:effectLst/>
+                          <a:latin typeface="Google Sans Text"/>
+                        </a:rPr>
+                        <a:t>TypedDict</a:t>
+                      </a:r>
+                      <a:r>
+                        <a:rPr lang="en-US" sz="1000">
+                          <a:solidFill>
+                            <a:srgbClr val="1F1F1F"/>
+                          </a:solidFill>
+                          <a:effectLst/>
+                          <a:latin typeface="Google Sans Text"/>
+                        </a:rPr>
+                        <a:t>) that stores the current "memory" of the workflow (e.g., chat history, retrieved docs).</a:t>
+                      </a:r>
+                    </a:p>
+                  </a:txBody>
+                  <a:tcPr marL="44145" marR="44145" marT="29430" marB="29430" anchor="ctr">
+                    <a:lnL w="7620" cap="flat" cmpd="sng" algn="ctr">
+                      <a:solidFill>
+                        <a:schemeClr val="bg1"/>
+                      </a:solidFill>
+                      <a:prstDash val="solid"/>
+                      <a:round/>
+                      <a:headEnd type="none" w="med" len="med"/>
+                      <a:tailEnd type="none" w="med" len="med"/>
+                    </a:lnL>
+                    <a:lnR w="7620" cap="flat" cmpd="sng" algn="ctr">
+                      <a:solidFill>
+                        <a:schemeClr val="bg1"/>
+                      </a:solidFill>
+                      <a:prstDash val="solid"/>
+                      <a:round/>
+                      <a:headEnd type="none" w="med" len="med"/>
+                      <a:tailEnd type="none" w="med" len="med"/>
+                    </a:lnR>
+                    <a:lnT w="7620" cap="flat" cmpd="sng" algn="ctr">
+                      <a:solidFill>
+                        <a:schemeClr val="bg1"/>
+                      </a:solidFill>
+                      <a:prstDash val="solid"/>
+                      <a:round/>
+                      <a:headEnd type="none" w="med" len="med"/>
+                      <a:tailEnd type="none" w="med" len="med"/>
+                    </a:lnT>
+                    <a:lnB w="7620" cap="flat" cmpd="sng" algn="ctr">
+                      <a:solidFill>
+                        <a:schemeClr val="bg1"/>
+                      </a:solidFill>
+                      <a:prstDash val="solid"/>
+                      <a:round/>
+                      <a:headEnd type="none" w="med" len="med"/>
+                      <a:tailEnd type="none" w="med" len="med"/>
+                    </a:lnB>
+                    <a:noFill/>
+                  </a:tcPr>
+                </a:tc>
+                <a:extLst>
+                  <a:ext uri="{0D108BD9-81ED-4DB2-BD59-A6C34878D82A}">
+                    <a16:rowId xmlns:a16="http://schemas.microsoft.com/office/drawing/2014/main" val="3648443191"/>
+                  </a:ext>
+                </a:extLst>
+              </a:tr>
+              <a:tr h="1521514">
+                <a:tc>
+                  <a:txBody>
+                    <a:bodyPr/>
+                    <a:lstStyle/>
+                    <a:p>
+                      <a:pPr rtl="0">
+                        <a:buNone/>
+                      </a:pPr>
+                      <a:r>
+                        <a:rPr lang="en-IN" sz="1000" b="1">
+                          <a:solidFill>
+                            <a:srgbClr val="1F1F1F"/>
+                          </a:solidFill>
+                          <a:effectLst/>
+                          <a:latin typeface="Google Sans Text"/>
+                        </a:rPr>
+                        <a:t>Nodes</a:t>
+                      </a:r>
+                      <a:endParaRPr lang="en-IN" sz="1000">
+                        <a:solidFill>
+                          <a:srgbClr val="1F1F1F"/>
+                        </a:solidFill>
+                        <a:effectLst/>
+                        <a:latin typeface="Google Sans Text"/>
+                      </a:endParaRPr>
+                    </a:p>
+                  </a:txBody>
+                  <a:tcPr marL="44145" marR="44145" marT="29430" marB="29430" anchor="ctr">
+                    <a:lnL w="7620" cap="flat" cmpd="sng" algn="ctr">
+                      <a:solidFill>
+                        <a:schemeClr val="bg1"/>
+                      </a:solidFill>
+                      <a:prstDash val="solid"/>
+                      <a:round/>
+                      <a:headEnd type="none" w="med" len="med"/>
+                      <a:tailEnd type="none" w="med" len="med"/>
+                    </a:lnL>
+                    <a:lnR w="7620" cap="flat" cmpd="sng" algn="ctr">
+                      <a:solidFill>
+                        <a:schemeClr val="bg1"/>
+                      </a:solidFill>
+                      <a:prstDash val="solid"/>
+                      <a:round/>
+                      <a:headEnd type="none" w="med" len="med"/>
+                      <a:tailEnd type="none" w="med" len="med"/>
+                    </a:lnR>
+                    <a:lnT w="7620" cap="flat" cmpd="sng" algn="ctr">
+                      <a:solidFill>
+                        <a:schemeClr val="bg1"/>
+                      </a:solidFill>
+                      <a:prstDash val="solid"/>
+                      <a:round/>
+                      <a:headEnd type="none" w="med" len="med"/>
+                      <a:tailEnd type="none" w="med" len="med"/>
+                    </a:lnT>
+                    <a:lnB w="7620" cap="flat" cmpd="sng" algn="ctr">
+                      <a:solidFill>
+                        <a:schemeClr val="bg1"/>
+                      </a:solidFill>
+                      <a:prstDash val="solid"/>
+                      <a:round/>
+                      <a:headEnd type="none" w="med" len="med"/>
+                      <a:tailEnd type="none" w="med" len="med"/>
+                    </a:lnB>
+                    <a:noFill/>
+                  </a:tcPr>
+                </a:tc>
+                <a:tc>
+                  <a:txBody>
+                    <a:bodyPr/>
+                    <a:lstStyle/>
+                    <a:p>
+                      <a:pPr rtl="0">
+                        <a:buNone/>
+                      </a:pPr>
+                      <a:r>
+                        <a:rPr lang="en-IN" sz="1000">
+                          <a:solidFill>
+                            <a:srgbClr val="1F1F1F"/>
+                          </a:solidFill>
+                          <a:effectLst/>
+                          <a:latin typeface="Google Sans Text"/>
+                        </a:rPr>
+                        <a:t>The Workstations</a:t>
+                      </a:r>
+                    </a:p>
+                  </a:txBody>
+                  <a:tcPr marL="44145" marR="44145" marT="29430" marB="29430" anchor="ctr">
+                    <a:lnL w="7620" cap="flat" cmpd="sng" algn="ctr">
+                      <a:solidFill>
+                        <a:schemeClr val="bg1"/>
+                      </a:solidFill>
+                      <a:prstDash val="solid"/>
+                      <a:round/>
+                      <a:headEnd type="none" w="med" len="med"/>
+                      <a:tailEnd type="none" w="med" len="med"/>
+                    </a:lnL>
+                    <a:lnR w="7620" cap="flat" cmpd="sng" algn="ctr">
+                      <a:solidFill>
+                        <a:schemeClr val="bg1"/>
+                      </a:solidFill>
+                      <a:prstDash val="solid"/>
+                      <a:round/>
+                      <a:headEnd type="none" w="med" len="med"/>
+                      <a:tailEnd type="none" w="med" len="med"/>
+                    </a:lnR>
+                    <a:lnT w="7620" cap="flat" cmpd="sng" algn="ctr">
+                      <a:solidFill>
+                        <a:schemeClr val="bg1"/>
+                      </a:solidFill>
+                      <a:prstDash val="solid"/>
+                      <a:round/>
+                      <a:headEnd type="none" w="med" len="med"/>
+                      <a:tailEnd type="none" w="med" len="med"/>
+                    </a:lnT>
+                    <a:lnB w="7620" cap="flat" cmpd="sng" algn="ctr">
+                      <a:solidFill>
+                        <a:schemeClr val="bg1"/>
+                      </a:solidFill>
+                      <a:prstDash val="solid"/>
+                      <a:round/>
+                      <a:headEnd type="none" w="med" len="med"/>
+                      <a:tailEnd type="none" w="med" len="med"/>
+                    </a:lnB>
+                    <a:noFill/>
+                  </a:tcPr>
+                </a:tc>
+                <a:tc>
+                  <a:txBody>
+                    <a:bodyPr/>
+                    <a:lstStyle/>
+                    <a:p>
+                      <a:pPr rtl="0">
+                        <a:buNone/>
+                      </a:pPr>
+                      <a:r>
+                        <a:rPr lang="en-US" sz="1000">
+                          <a:solidFill>
+                            <a:srgbClr val="1F1F1F"/>
+                          </a:solidFill>
+                          <a:effectLst/>
+                          <a:latin typeface="Google Sans Text"/>
+                        </a:rPr>
+                        <a:t>Python functions that perform a specific task (e.g., "Ask LLM," "Search Database," "Send Email"). They take the current State and return an update.</a:t>
+                      </a:r>
+                    </a:p>
+                  </a:txBody>
+                  <a:tcPr marL="44145" marR="44145" marT="29430" marB="29430" anchor="ctr">
+                    <a:lnL w="7620" cap="flat" cmpd="sng" algn="ctr">
+                      <a:solidFill>
+                        <a:schemeClr val="bg1"/>
+                      </a:solidFill>
+                      <a:prstDash val="solid"/>
+                      <a:round/>
+                      <a:headEnd type="none" w="med" len="med"/>
+                      <a:tailEnd type="none" w="med" len="med"/>
+                    </a:lnL>
+                    <a:lnR w="7620" cap="flat" cmpd="sng" algn="ctr">
+                      <a:solidFill>
+                        <a:schemeClr val="bg1"/>
+                      </a:solidFill>
+                      <a:prstDash val="solid"/>
+                      <a:round/>
+                      <a:headEnd type="none" w="med" len="med"/>
+                      <a:tailEnd type="none" w="med" len="med"/>
+                    </a:lnR>
+                    <a:lnT w="7620" cap="flat" cmpd="sng" algn="ctr">
+                      <a:solidFill>
+                        <a:schemeClr val="bg1"/>
+                      </a:solidFill>
+                      <a:prstDash val="solid"/>
+                      <a:round/>
+                      <a:headEnd type="none" w="med" len="med"/>
+                      <a:tailEnd type="none" w="med" len="med"/>
+                    </a:lnT>
+                    <a:lnB w="7620" cap="flat" cmpd="sng" algn="ctr">
+                      <a:solidFill>
+                        <a:schemeClr val="bg1"/>
+                      </a:solidFill>
+                      <a:prstDash val="solid"/>
+                      <a:round/>
+                      <a:headEnd type="none" w="med" len="med"/>
+                      <a:tailEnd type="none" w="med" len="med"/>
+                    </a:lnB>
+                    <a:noFill/>
+                  </a:tcPr>
+                </a:tc>
+                <a:extLst>
+                  <a:ext uri="{0D108BD9-81ED-4DB2-BD59-A6C34878D82A}">
+                    <a16:rowId xmlns:a16="http://schemas.microsoft.com/office/drawing/2014/main" val="1248750552"/>
+                  </a:ext>
+                </a:extLst>
+              </a:tr>
+              <a:tr h="699457">
+                <a:tc>
+                  <a:txBody>
+                    <a:bodyPr/>
+                    <a:lstStyle/>
+                    <a:p>
+                      <a:pPr rtl="0">
+                        <a:buNone/>
+                      </a:pPr>
+                      <a:r>
+                        <a:rPr lang="en-IN" sz="1000" b="1">
+                          <a:solidFill>
+                            <a:srgbClr val="1F1F1F"/>
+                          </a:solidFill>
+                          <a:effectLst/>
+                          <a:latin typeface="Google Sans Text"/>
+                        </a:rPr>
+                        <a:t>Edges</a:t>
+                      </a:r>
+                      <a:endParaRPr lang="en-IN" sz="1000">
+                        <a:solidFill>
+                          <a:srgbClr val="1F1F1F"/>
+                        </a:solidFill>
+                        <a:effectLst/>
+                        <a:latin typeface="Google Sans Text"/>
+                      </a:endParaRPr>
+                    </a:p>
+                  </a:txBody>
+                  <a:tcPr marL="44145" marR="44145" marT="29430" marB="29430" anchor="ctr">
+                    <a:lnL w="7620" cap="flat" cmpd="sng" algn="ctr">
+                      <a:solidFill>
+                        <a:schemeClr val="bg1"/>
+                      </a:solidFill>
+                      <a:prstDash val="solid"/>
+                      <a:round/>
+                      <a:headEnd type="none" w="med" len="med"/>
+                      <a:tailEnd type="none" w="med" len="med"/>
+                    </a:lnL>
+                    <a:lnR w="7620" cap="flat" cmpd="sng" algn="ctr">
+                      <a:solidFill>
+                        <a:schemeClr val="bg1"/>
+                      </a:solidFill>
+                      <a:prstDash val="solid"/>
+                      <a:round/>
+                      <a:headEnd type="none" w="med" len="med"/>
+                      <a:tailEnd type="none" w="med" len="med"/>
+                    </a:lnR>
+                    <a:lnT w="7620" cap="flat" cmpd="sng" algn="ctr">
+                      <a:solidFill>
+                        <a:schemeClr val="bg1"/>
+                      </a:solidFill>
+                      <a:prstDash val="solid"/>
+                      <a:round/>
+                      <a:headEnd type="none" w="med" len="med"/>
+                      <a:tailEnd type="none" w="med" len="med"/>
+                    </a:lnT>
+                    <a:lnB w="7620" cap="flat" cmpd="sng" algn="ctr">
+                      <a:solidFill>
+                        <a:schemeClr val="bg1"/>
+                      </a:solidFill>
+                      <a:prstDash val="solid"/>
+                      <a:round/>
+                      <a:headEnd type="none" w="med" len="med"/>
+                      <a:tailEnd type="none" w="med" len="med"/>
+                    </a:lnB>
+                    <a:noFill/>
+                  </a:tcPr>
+                </a:tc>
+                <a:tc>
+                  <a:txBody>
+                    <a:bodyPr/>
+                    <a:lstStyle/>
+                    <a:p>
+                      <a:pPr rtl="0">
+                        <a:buNone/>
+                      </a:pPr>
+                      <a:r>
+                        <a:rPr lang="en-IN" sz="1000">
+                          <a:solidFill>
+                            <a:srgbClr val="1F1F1F"/>
+                          </a:solidFill>
+                          <a:effectLst/>
+                          <a:latin typeface="Google Sans Text"/>
+                        </a:rPr>
+                        <a:t>The Conveyor Belts</a:t>
+                      </a:r>
+                    </a:p>
+                  </a:txBody>
+                  <a:tcPr marL="44145" marR="44145" marT="29430" marB="29430" anchor="ctr">
+                    <a:lnL w="7620" cap="flat" cmpd="sng" algn="ctr">
+                      <a:solidFill>
+                        <a:schemeClr val="bg1"/>
+                      </a:solidFill>
+                      <a:prstDash val="solid"/>
+                      <a:round/>
+                      <a:headEnd type="none" w="med" len="med"/>
+                      <a:tailEnd type="none" w="med" len="med"/>
+                    </a:lnL>
+                    <a:lnR w="7620" cap="flat" cmpd="sng" algn="ctr">
+                      <a:solidFill>
+                        <a:schemeClr val="bg1"/>
+                      </a:solidFill>
+                      <a:prstDash val="solid"/>
+                      <a:round/>
+                      <a:headEnd type="none" w="med" len="med"/>
+                      <a:tailEnd type="none" w="med" len="med"/>
+                    </a:lnR>
+                    <a:lnT w="7620" cap="flat" cmpd="sng" algn="ctr">
+                      <a:solidFill>
+                        <a:schemeClr val="bg1"/>
+                      </a:solidFill>
+                      <a:prstDash val="solid"/>
+                      <a:round/>
+                      <a:headEnd type="none" w="med" len="med"/>
+                      <a:tailEnd type="none" w="med" len="med"/>
+                    </a:lnT>
+                    <a:lnB w="7620" cap="flat" cmpd="sng" algn="ctr">
+                      <a:solidFill>
+                        <a:schemeClr val="bg1"/>
+                      </a:solidFill>
+                      <a:prstDash val="solid"/>
+                      <a:round/>
+                      <a:headEnd type="none" w="med" len="med"/>
+                      <a:tailEnd type="none" w="med" len="med"/>
+                    </a:lnB>
+                    <a:noFill/>
+                  </a:tcPr>
+                </a:tc>
+                <a:tc>
+                  <a:txBody>
+                    <a:bodyPr/>
+                    <a:lstStyle/>
+                    <a:p>
+                      <a:pPr rtl="0">
+                        <a:buNone/>
+                      </a:pPr>
+                      <a:r>
+                        <a:rPr lang="en-US" sz="1000">
+                          <a:solidFill>
+                            <a:srgbClr val="1F1F1F"/>
+                          </a:solidFill>
+                          <a:effectLst/>
+                          <a:latin typeface="Google Sans Text"/>
+                        </a:rPr>
+                        <a:t>The paths connecting nodes. They define the order of operations.</a:t>
+                      </a:r>
+                    </a:p>
+                  </a:txBody>
+                  <a:tcPr marL="44145" marR="44145" marT="29430" marB="29430" anchor="ctr">
+                    <a:lnL w="7620" cap="flat" cmpd="sng" algn="ctr">
+                      <a:solidFill>
+                        <a:schemeClr val="bg1"/>
+                      </a:solidFill>
+                      <a:prstDash val="solid"/>
+                      <a:round/>
+                      <a:headEnd type="none" w="med" len="med"/>
+                      <a:tailEnd type="none" w="med" len="med"/>
+                    </a:lnL>
+                    <a:lnR w="7620" cap="flat" cmpd="sng" algn="ctr">
+                      <a:solidFill>
+                        <a:schemeClr val="bg1"/>
+                      </a:solidFill>
+                      <a:prstDash val="solid"/>
+                      <a:round/>
+                      <a:headEnd type="none" w="med" len="med"/>
+                      <a:tailEnd type="none" w="med" len="med"/>
+                    </a:lnR>
+                    <a:lnT w="7620" cap="flat" cmpd="sng" algn="ctr">
+                      <a:solidFill>
+                        <a:schemeClr val="bg1"/>
+                      </a:solidFill>
+                      <a:prstDash val="solid"/>
+                      <a:round/>
+                      <a:headEnd type="none" w="med" len="med"/>
+                      <a:tailEnd type="none" w="med" len="med"/>
+                    </a:lnT>
+                    <a:lnB w="7620" cap="flat" cmpd="sng" algn="ctr">
+                      <a:solidFill>
+                        <a:schemeClr val="bg1"/>
+                      </a:solidFill>
+                      <a:prstDash val="solid"/>
+                      <a:round/>
+                      <a:headEnd type="none" w="med" len="med"/>
+                      <a:tailEnd type="none" w="med" len="med"/>
+                    </a:lnB>
+                    <a:noFill/>
+                  </a:tcPr>
+                </a:tc>
+                <a:extLst>
+                  <a:ext uri="{0D108BD9-81ED-4DB2-BD59-A6C34878D82A}">
+                    <a16:rowId xmlns:a16="http://schemas.microsoft.com/office/drawing/2014/main" val="2185495059"/>
+                  </a:ext>
+                </a:extLst>
+              </a:tr>
+              <a:tr h="1521514">
+                <a:tc>
+                  <a:txBody>
+                    <a:bodyPr/>
+                    <a:lstStyle/>
+                    <a:p>
+                      <a:pPr rtl="0">
+                        <a:buNone/>
+                      </a:pPr>
+                      <a:r>
+                        <a:rPr lang="en-IN" sz="1000" b="1">
+                          <a:solidFill>
+                            <a:srgbClr val="1F1F1F"/>
+                          </a:solidFill>
+                          <a:effectLst/>
+                          <a:latin typeface="Google Sans Text"/>
+                        </a:rPr>
+                        <a:t>Conditional Edges</a:t>
+                      </a:r>
+                      <a:endParaRPr lang="en-IN" sz="1000">
+                        <a:solidFill>
+                          <a:srgbClr val="1F1F1F"/>
+                        </a:solidFill>
+                        <a:effectLst/>
+                        <a:latin typeface="Google Sans Text"/>
+                      </a:endParaRPr>
+                    </a:p>
+                  </a:txBody>
+                  <a:tcPr marL="44145" marR="44145" marT="29430" marB="29430" anchor="ctr">
+                    <a:lnL w="7620" cap="flat" cmpd="sng" algn="ctr">
+                      <a:solidFill>
+                        <a:schemeClr val="bg1"/>
+                      </a:solidFill>
+                      <a:prstDash val="solid"/>
+                      <a:round/>
+                      <a:headEnd type="none" w="med" len="med"/>
+                      <a:tailEnd type="none" w="med" len="med"/>
+                    </a:lnL>
+                    <a:lnR w="7620" cap="flat" cmpd="sng" algn="ctr">
+                      <a:solidFill>
+                        <a:schemeClr val="bg1"/>
+                      </a:solidFill>
+                      <a:prstDash val="solid"/>
+                      <a:round/>
+                      <a:headEnd type="none" w="med" len="med"/>
+                      <a:tailEnd type="none" w="med" len="med"/>
+                    </a:lnR>
+                    <a:lnT w="7620" cap="flat" cmpd="sng" algn="ctr">
+                      <a:solidFill>
+                        <a:schemeClr val="bg1"/>
+                      </a:solidFill>
+                      <a:prstDash val="solid"/>
+                      <a:round/>
+                      <a:headEnd type="none" w="med" len="med"/>
+                      <a:tailEnd type="none" w="med" len="med"/>
+                    </a:lnT>
+                    <a:lnB w="7620" cap="flat" cmpd="sng" algn="ctr">
+                      <a:solidFill>
+                        <a:schemeClr val="bg1"/>
+                      </a:solidFill>
+                      <a:prstDash val="solid"/>
+                      <a:round/>
+                      <a:headEnd type="none" w="med" len="med"/>
+                      <a:tailEnd type="none" w="med" len="med"/>
+                    </a:lnB>
+                    <a:noFill/>
+                  </a:tcPr>
+                </a:tc>
+                <a:tc>
+                  <a:txBody>
+                    <a:bodyPr/>
+                    <a:lstStyle/>
+                    <a:p>
+                      <a:pPr rtl="0">
+                        <a:buNone/>
+                      </a:pPr>
+                      <a:r>
+                        <a:rPr lang="en-IN" sz="1000">
+                          <a:solidFill>
+                            <a:srgbClr val="1F1F1F"/>
+                          </a:solidFill>
+                          <a:effectLst/>
+                          <a:latin typeface="Google Sans Text"/>
+                        </a:rPr>
+                        <a:t>The Quality Control</a:t>
+                      </a:r>
+                    </a:p>
+                  </a:txBody>
+                  <a:tcPr marL="44145" marR="44145" marT="29430" marB="29430" anchor="ctr">
+                    <a:lnL w="7620" cap="flat" cmpd="sng" algn="ctr">
+                      <a:solidFill>
+                        <a:schemeClr val="bg1"/>
+                      </a:solidFill>
+                      <a:prstDash val="solid"/>
+                      <a:round/>
+                      <a:headEnd type="none" w="med" len="med"/>
+                      <a:tailEnd type="none" w="med" len="med"/>
+                    </a:lnL>
+                    <a:lnR w="7620" cap="flat" cmpd="sng" algn="ctr">
+                      <a:solidFill>
+                        <a:schemeClr val="bg1"/>
+                      </a:solidFill>
+                      <a:prstDash val="solid"/>
+                      <a:round/>
+                      <a:headEnd type="none" w="med" len="med"/>
+                      <a:tailEnd type="none" w="med" len="med"/>
+                    </a:lnR>
+                    <a:lnT w="7620" cap="flat" cmpd="sng" algn="ctr">
+                      <a:solidFill>
+                        <a:schemeClr val="bg1"/>
+                      </a:solidFill>
+                      <a:prstDash val="solid"/>
+                      <a:round/>
+                      <a:headEnd type="none" w="med" len="med"/>
+                      <a:tailEnd type="none" w="med" len="med"/>
+                    </a:lnT>
+                    <a:lnB w="7620" cap="flat" cmpd="sng" algn="ctr">
+                      <a:solidFill>
+                        <a:schemeClr val="bg1"/>
+                      </a:solidFill>
+                      <a:prstDash val="solid"/>
+                      <a:round/>
+                      <a:headEnd type="none" w="med" len="med"/>
+                      <a:tailEnd type="none" w="med" len="med"/>
+                    </a:lnB>
+                    <a:noFill/>
+                  </a:tcPr>
+                </a:tc>
+                <a:tc>
+                  <a:txBody>
+                    <a:bodyPr/>
+                    <a:lstStyle/>
+                    <a:p>
+                      <a:pPr rtl="0">
+                        <a:buNone/>
+                      </a:pPr>
+                      <a:r>
+                        <a:rPr lang="en-US" sz="1000" dirty="0">
+                          <a:solidFill>
+                            <a:srgbClr val="1F1F1F"/>
+                          </a:solidFill>
+                          <a:effectLst/>
+                          <a:latin typeface="Google Sans Text"/>
+                        </a:rPr>
+                        <a:t>A "fork in the road" where a function looks at the State and decides which node to go to next (e.g., "If answer is good, END; if not, REWRITE").</a:t>
+                      </a:r>
+                    </a:p>
+                  </a:txBody>
+                  <a:tcPr marL="44145" marR="44145" marT="29430" marB="29430" anchor="ctr">
+                    <a:lnL w="7620" cap="flat" cmpd="sng" algn="ctr">
+                      <a:solidFill>
+                        <a:schemeClr val="bg1"/>
+                      </a:solidFill>
+                      <a:prstDash val="solid"/>
+                      <a:round/>
+                      <a:headEnd type="none" w="med" len="med"/>
+                      <a:tailEnd type="none" w="med" len="med"/>
+                    </a:lnL>
+                    <a:lnR w="7620" cap="flat" cmpd="sng" algn="ctr">
+                      <a:solidFill>
+                        <a:schemeClr val="bg1"/>
+                      </a:solidFill>
+                      <a:prstDash val="solid"/>
+                      <a:round/>
+                      <a:headEnd type="none" w="med" len="med"/>
+                      <a:tailEnd type="none" w="med" len="med"/>
+                    </a:lnR>
+                    <a:lnT w="7620" cap="flat" cmpd="sng" algn="ctr">
+                      <a:solidFill>
+                        <a:schemeClr val="bg1"/>
+                      </a:solidFill>
+                      <a:prstDash val="solid"/>
+                      <a:round/>
+                      <a:headEnd type="none" w="med" len="med"/>
+                      <a:tailEnd type="none" w="med" len="med"/>
+                    </a:lnT>
+                    <a:lnB w="7620" cap="flat" cmpd="sng" algn="ctr">
+                      <a:solidFill>
+                        <a:schemeClr val="bg1"/>
+                      </a:solidFill>
+                      <a:prstDash val="solid"/>
+                      <a:round/>
+                      <a:headEnd type="none" w="med" len="med"/>
+                      <a:tailEnd type="none" w="med" len="med"/>
+                    </a:lnB>
+                    <a:noFill/>
+                  </a:tcPr>
+                </a:tc>
+                <a:extLst>
+                  <a:ext uri="{0D108BD9-81ED-4DB2-BD59-A6C34878D82A}">
+                    <a16:rowId xmlns:a16="http://schemas.microsoft.com/office/drawing/2014/main" val="3046601924"/>
+                  </a:ext>
+                </a:extLst>
+              </a:tr>
+            </a:tbl>
+          </a:graphicData>
+        </a:graphic>
+      </p:graphicFrame>
+    </p:spTree>
+    <p:extLst>
+      <p:ext uri="{BB962C8B-B14F-4D97-AF65-F5344CB8AC3E}">
+        <p14:creationId xmlns:p14="http://schemas.microsoft.com/office/powerpoint/2010/main" val="326344952"/>
+      </p:ext>
+    </p:extLst>
+  </p:cSld>
+  <p:clrMapOvr>
+    <a:masterClrMapping/>
+  </p:clrMapOvr>
+</p:sld>
+</file>
+
 <file path=ppt/slides/slide2.xml><?xml version="1.0" encoding="utf-8"?>
 <p:sld xmlns:a="http://schemas.openxmlformats.org/drawingml/2006/main" xmlns:r="http://schemas.openxmlformats.org/officeDocument/2006/relationships" xmlns:p="http://schemas.openxmlformats.org/presentationml/2006/main" showMasterSp="0">
   <p:cSld>
@@ -44522,6 +45666,622 @@
         </a:graphic>
       </p:graphicFrame>
     </p:spTree>
+  </p:cSld>
+  <p:clrMapOvr>
+    <a:masterClrMapping/>
+  </p:clrMapOvr>
+</p:sld>
+</file>
+
+<file path=ppt/slides/slide20.xml><?xml version="1.0" encoding="utf-8"?>
+<p:sld xmlns:a="http://schemas.openxmlformats.org/drawingml/2006/main" xmlns:r="http://schemas.openxmlformats.org/officeDocument/2006/relationships" xmlns:p="http://schemas.openxmlformats.org/presentationml/2006/main">
+  <p:cSld>
+    <p:spTree>
+      <p:nvGrpSpPr>
+        <p:cNvPr id="1" name=""/>
+        <p:cNvGrpSpPr/>
+        <p:nvPr/>
+      </p:nvGrpSpPr>
+      <p:grpSpPr>
+        <a:xfrm>
+          <a:off x="0" y="0"/>
+          <a:ext cx="0" cy="0"/>
+          <a:chOff x="0" y="0"/>
+          <a:chExt cx="0" cy="0"/>
+        </a:xfrm>
+      </p:grpSpPr>
+      <p:sp>
+        <p:nvSpPr>
+          <p:cNvPr id="2" name="Title 1">
+            <a:extLst>
+              <a:ext uri="{FF2B5EF4-FFF2-40B4-BE49-F238E27FC236}">
+                <a16:creationId xmlns:a16="http://schemas.microsoft.com/office/drawing/2014/main" id="{AD918EE7-2AB7-86DE-E1E7-A9A2CA117858}"/>
+              </a:ext>
+            </a:extLst>
+          </p:cNvPr>
+          <p:cNvSpPr>
+            <a:spLocks noGrp="1"/>
+          </p:cNvSpPr>
+          <p:nvPr>
+            <p:ph type="title"/>
+          </p:nvPr>
+        </p:nvSpPr>
+        <p:spPr/>
+        <p:txBody>
+          <a:bodyPr/>
+          <a:lstStyle/>
+          <a:p>
+            <a:r>
+              <a:rPr lang="en-US" dirty="0"/>
+              <a:t>When to use LangGraph vs. </a:t>
+            </a:r>
+            <a:r>
+              <a:rPr lang="en-US"/>
+              <a:t>LangChain</a:t>
+            </a:r>
+            <a:endParaRPr lang="en-IN"/>
+          </a:p>
+        </p:txBody>
+      </p:sp>
+      <p:sp>
+        <p:nvSpPr>
+          <p:cNvPr id="4" name="Rectangle 1">
+            <a:extLst>
+              <a:ext uri="{FF2B5EF4-FFF2-40B4-BE49-F238E27FC236}">
+                <a16:creationId xmlns:a16="http://schemas.microsoft.com/office/drawing/2014/main" id="{4D8422F8-01F2-8E38-7DD0-D81E4F965FF6}"/>
+              </a:ext>
+            </a:extLst>
+          </p:cNvPr>
+          <p:cNvSpPr>
+            <a:spLocks noGrp="1" noChangeArrowheads="1"/>
+          </p:cNvSpPr>
+          <p:nvPr>
+            <p:ph idx="1"/>
+          </p:nvPr>
+        </p:nvSpPr>
+        <p:spPr bwMode="auto">
+          <a:xfrm>
+            <a:off x="1376278" y="3250612"/>
+            <a:ext cx="8694944" cy="2782172"/>
+          </a:xfrm>
+          <a:prstGeom prst="rect">
+            <a:avLst/>
+          </a:prstGeom>
+          <a:noFill/>
+          <a:ln>
+            <a:noFill/>
+          </a:ln>
+          <a:effectLst/>
+          <a:extLst>
+            <a:ext uri="{909E8E84-426E-40DD-AFC4-6F175D3DCCD1}">
+              <a14:hiddenFill xmlns:a14="http://schemas.microsoft.com/office/drawing/2010/main">
+                <a:solidFill>
+                  <a:schemeClr val="accent1"/>
+                </a:solidFill>
+              </a14:hiddenFill>
+            </a:ext>
+            <a:ext uri="{91240B29-F687-4F45-9708-019B960494DF}">
+              <a14:hiddenLine xmlns:a14="http://schemas.microsoft.com/office/drawing/2010/main" w="9525">
+                <a:solidFill>
+                  <a:schemeClr val="tx1"/>
+                </a:solidFill>
+                <a:miter lim="800000"/>
+                <a:headEnd/>
+                <a:tailEnd/>
+              </a14:hiddenLine>
+            </a:ext>
+            <a:ext uri="{AF507438-7753-43E0-B8FC-AC1667EBCBE1}">
+              <a14:hiddenEffects xmlns:a14="http://schemas.microsoft.com/office/drawing/2010/main">
+                <a:effectLst>
+                  <a:outerShdw dist="35921" dir="2700000" algn="ctr" rotWithShape="0">
+                    <a:schemeClr val="bg2"/>
+                  </a:outerShdw>
+                </a:effectLst>
+              </a14:hiddenEffects>
+            </a:ext>
+          </a:extLst>
+        </p:spPr>
+        <p:txBody>
+          <a:bodyPr vert="horz" wrap="none" lIns="91440" tIns="0" rIns="91440" bIns="45720" numCol="1" anchor="ctr" anchorCtr="0" compatLnSpc="1">
+            <a:prstTxWarp prst="textNoShape">
+              <a:avLst/>
+            </a:prstTxWarp>
+            <a:spAutoFit/>
+          </a:bodyPr>
+          <a:lstStyle/>
+          <a:p>
+            <a:pPr marL="0" marR="0" lvl="0" indent="0" algn="l" defTabSz="914400" rtl="0" eaLnBrk="0" fontAlgn="base" latinLnBrk="0" hangingPunct="0">
+              <a:lnSpc>
+                <a:spcPct val="100000"/>
+              </a:lnSpc>
+              <a:spcBef>
+                <a:spcPct val="0"/>
+              </a:spcBef>
+              <a:spcAft>
+                <a:spcPct val="0"/>
+              </a:spcAft>
+              <a:buClrTx/>
+              <a:buSzTx/>
+              <a:buFontTx/>
+              <a:buNone/>
+              <a:tabLst/>
+            </a:pPr>
+            <a:r>
+              <a:rPr kumimoji="0" lang="en-US" altLang="en-US" sz="1800" b="0" i="0" u="none" strike="noStrike" cap="none" normalizeH="0" baseline="0" dirty="0">
+                <a:ln>
+                  <a:noFill/>
+                </a:ln>
+                <a:solidFill>
+                  <a:schemeClr val="tx1"/>
+                </a:solidFill>
+                <a:effectLst/>
+                <a:latin typeface="Google Sans Text"/>
+              </a:rPr>
+              <a:t>Think of </a:t>
+            </a:r>
+            <a:r>
+              <a:rPr kumimoji="0" lang="en-US" altLang="en-US" sz="1800" b="0" i="0" u="none" strike="noStrike" cap="none" normalizeH="0" baseline="0" dirty="0" err="1">
+                <a:ln>
+                  <a:noFill/>
+                </a:ln>
+                <a:solidFill>
+                  <a:schemeClr val="tx1"/>
+                </a:solidFill>
+                <a:effectLst/>
+                <a:latin typeface="Google Sans Text"/>
+              </a:rPr>
+              <a:t>LangChain</a:t>
+            </a:r>
+            <a:r>
+              <a:rPr kumimoji="0" lang="en-US" altLang="en-US" sz="1800" b="0" i="0" u="none" strike="noStrike" cap="none" normalizeH="0" baseline="0" dirty="0">
+                <a:ln>
+                  <a:noFill/>
+                </a:ln>
+                <a:solidFill>
+                  <a:schemeClr val="tx1"/>
+                </a:solidFill>
+                <a:effectLst/>
+                <a:latin typeface="Google Sans Text"/>
+              </a:rPr>
+              <a:t> as a </a:t>
+            </a:r>
+            <a:r>
+              <a:rPr kumimoji="0" lang="en-US" altLang="en-US" sz="1800" b="1" i="0" u="none" strike="noStrike" cap="none" normalizeH="0" baseline="0" dirty="0">
+                <a:ln>
+                  <a:noFill/>
+                </a:ln>
+                <a:solidFill>
+                  <a:schemeClr val="tx1"/>
+                </a:solidFill>
+                <a:effectLst/>
+                <a:latin typeface="Google Sans Text"/>
+              </a:rPr>
+              <a:t>straight road</a:t>
+            </a:r>
+            <a:r>
+              <a:rPr kumimoji="0" lang="en-US" altLang="en-US" sz="1800" b="0" i="0" u="none" strike="noStrike" cap="none" normalizeH="0" baseline="0" dirty="0">
+                <a:ln>
+                  <a:noFill/>
+                </a:ln>
+                <a:solidFill>
+                  <a:schemeClr val="tx1"/>
+                </a:solidFill>
+                <a:effectLst/>
+                <a:latin typeface="Google Sans Text"/>
+              </a:rPr>
+              <a:t> and LangGraph as a </a:t>
+            </a:r>
+            <a:r>
+              <a:rPr kumimoji="0" lang="en-US" altLang="en-US" sz="1800" b="1" i="0" u="none" strike="noStrike" cap="none" normalizeH="0" baseline="0" dirty="0">
+                <a:ln>
+                  <a:noFill/>
+                </a:ln>
+                <a:solidFill>
+                  <a:schemeClr val="tx1"/>
+                </a:solidFill>
+                <a:effectLst/>
+                <a:latin typeface="Google Sans Text"/>
+              </a:rPr>
+              <a:t>roundabout</a:t>
+            </a:r>
+            <a:r>
+              <a:rPr kumimoji="0" lang="en-US" altLang="en-US" sz="1800" b="0" i="0" u="none" strike="noStrike" cap="none" normalizeH="0" baseline="0" dirty="0">
+                <a:ln>
+                  <a:noFill/>
+                </a:ln>
+                <a:solidFill>
+                  <a:schemeClr val="tx1"/>
+                </a:solidFill>
+                <a:effectLst/>
+                <a:latin typeface="Google Sans Text"/>
+              </a:rPr>
+              <a:t>.</a:t>
+            </a:r>
+            <a:endParaRPr kumimoji="0" lang="en-US" altLang="en-US" sz="1800" b="0" i="0" u="none" strike="noStrike" cap="none" normalizeH="0" baseline="0" dirty="0">
+              <a:ln>
+                <a:noFill/>
+              </a:ln>
+              <a:solidFill>
+                <a:schemeClr val="tx1"/>
+              </a:solidFill>
+              <a:effectLst/>
+            </a:endParaRPr>
+          </a:p>
+          <a:p>
+            <a:pPr marL="0" marR="0" lvl="0" indent="0" algn="l" defTabSz="914400" rtl="0" eaLnBrk="0" fontAlgn="base" latinLnBrk="0" hangingPunct="0">
+              <a:lnSpc>
+                <a:spcPct val="100000"/>
+              </a:lnSpc>
+              <a:spcBef>
+                <a:spcPct val="0"/>
+              </a:spcBef>
+              <a:spcAft>
+                <a:spcPct val="0"/>
+              </a:spcAft>
+              <a:buClrTx/>
+              <a:buSzTx/>
+              <a:buFontTx/>
+              <a:buChar char="•"/>
+              <a:tabLst/>
+            </a:pPr>
+            <a:r>
+              <a:rPr kumimoji="0" lang="en-US" altLang="en-US" sz="1800" b="1" i="0" u="none" strike="noStrike" cap="none" normalizeH="0" baseline="0" dirty="0">
+                <a:ln>
+                  <a:noFill/>
+                </a:ln>
+                <a:solidFill>
+                  <a:schemeClr val="tx1"/>
+                </a:solidFill>
+                <a:effectLst/>
+                <a:latin typeface="Google Sans Text"/>
+              </a:rPr>
+              <a:t>Use </a:t>
+            </a:r>
+            <a:r>
+              <a:rPr kumimoji="0" lang="en-US" altLang="en-US" sz="1800" b="1" i="0" u="none" strike="noStrike" cap="none" normalizeH="0" baseline="0" dirty="0" err="1">
+                <a:ln>
+                  <a:noFill/>
+                </a:ln>
+                <a:solidFill>
+                  <a:schemeClr val="tx1"/>
+                </a:solidFill>
+                <a:effectLst/>
+                <a:latin typeface="Google Sans Text"/>
+              </a:rPr>
+              <a:t>LangChain</a:t>
+            </a:r>
+            <a:r>
+              <a:rPr kumimoji="0" lang="en-US" altLang="en-US" sz="1800" b="0" i="0" u="none" strike="noStrike" cap="none" normalizeH="0" baseline="0" dirty="0">
+                <a:ln>
+                  <a:noFill/>
+                </a:ln>
+                <a:solidFill>
+                  <a:schemeClr val="tx1"/>
+                </a:solidFill>
+                <a:effectLst/>
+                <a:latin typeface="Google Sans Text"/>
+              </a:rPr>
+              <a:t> for simple, linear tasks:</a:t>
+            </a:r>
+          </a:p>
+          <a:p>
+            <a:pPr marL="457200" marR="0" lvl="1" indent="0" algn="l" defTabSz="914400" rtl="0" eaLnBrk="0" fontAlgn="base" latinLnBrk="0" hangingPunct="0">
+              <a:lnSpc>
+                <a:spcPct val="100000"/>
+              </a:lnSpc>
+              <a:spcBef>
+                <a:spcPct val="0"/>
+              </a:spcBef>
+              <a:spcAft>
+                <a:spcPct val="0"/>
+              </a:spcAft>
+              <a:buClrTx/>
+              <a:buSzTx/>
+              <a:buFontTx/>
+              <a:buChar char="•"/>
+              <a:tabLst/>
+            </a:pPr>
+            <a:r>
+              <a:rPr kumimoji="0" lang="en-US" altLang="en-US" sz="1800" b="0" i="1" u="none" strike="noStrike" cap="none" normalizeH="0" baseline="0" dirty="0">
+                <a:ln>
+                  <a:noFill/>
+                </a:ln>
+                <a:solidFill>
+                  <a:schemeClr val="tx1"/>
+                </a:solidFill>
+                <a:effectLst/>
+                <a:latin typeface="Google Sans Text"/>
+              </a:rPr>
+              <a:t>.</a:t>
+            </a:r>
+            <a:endParaRPr kumimoji="0" lang="en-US" altLang="en-US" sz="1800" b="0" i="0" u="none" strike="noStrike" cap="none" normalizeH="0" baseline="0" dirty="0">
+              <a:ln>
+                <a:noFill/>
+              </a:ln>
+              <a:solidFill>
+                <a:schemeClr val="tx1"/>
+              </a:solidFill>
+              <a:effectLst/>
+              <a:latin typeface="Google Sans Text"/>
+            </a:endParaRPr>
+          </a:p>
+          <a:p>
+            <a:pPr marL="0" marR="0" lvl="0" indent="0" algn="l" defTabSz="914400" rtl="0" eaLnBrk="0" fontAlgn="base" latinLnBrk="0" hangingPunct="0">
+              <a:lnSpc>
+                <a:spcPct val="100000"/>
+              </a:lnSpc>
+              <a:spcBef>
+                <a:spcPct val="0"/>
+              </a:spcBef>
+              <a:spcAft>
+                <a:spcPct val="0"/>
+              </a:spcAft>
+              <a:buClrTx/>
+              <a:buSzTx/>
+              <a:buFontTx/>
+              <a:buChar char="•"/>
+              <a:tabLst/>
+            </a:pPr>
+            <a:r>
+              <a:rPr kumimoji="0" lang="en-US" altLang="en-US" sz="1800" b="1" i="0" u="none" strike="noStrike" cap="none" normalizeH="0" baseline="0" dirty="0">
+                <a:ln>
+                  <a:noFill/>
+                </a:ln>
+                <a:solidFill>
+                  <a:schemeClr val="tx1"/>
+                </a:solidFill>
+                <a:effectLst/>
+                <a:latin typeface="Google Sans Text"/>
+              </a:rPr>
+              <a:t>Use LangGraph</a:t>
+            </a:r>
+            <a:r>
+              <a:rPr kumimoji="0" lang="en-US" altLang="en-US" sz="1800" b="0" i="0" u="none" strike="noStrike" cap="none" normalizeH="0" baseline="0" dirty="0">
+                <a:ln>
+                  <a:noFill/>
+                </a:ln>
+                <a:solidFill>
+                  <a:schemeClr val="tx1"/>
+                </a:solidFill>
+                <a:effectLst/>
+                <a:latin typeface="Google Sans Text"/>
+              </a:rPr>
+              <a:t> for autonomous, iterative tasks:</a:t>
+            </a:r>
+          </a:p>
+          <a:p>
+            <a:pPr marL="457200" marR="0" lvl="1" indent="0" algn="l" defTabSz="914400" rtl="0" eaLnBrk="0" fontAlgn="base" latinLnBrk="0" hangingPunct="0">
+              <a:lnSpc>
+                <a:spcPct val="100000"/>
+              </a:lnSpc>
+              <a:spcBef>
+                <a:spcPct val="0"/>
+              </a:spcBef>
+              <a:spcAft>
+                <a:spcPct val="0"/>
+              </a:spcAft>
+              <a:buClrTx/>
+              <a:buSzTx/>
+              <a:buFontTx/>
+              <a:buChar char="•"/>
+              <a:tabLst/>
+            </a:pPr>
+            <a:r>
+              <a:rPr kumimoji="0" lang="en-US" altLang="en-US" sz="1800" b="1" i="0" u="none" strike="noStrike" cap="none" normalizeH="0" baseline="0" dirty="0">
+                <a:ln>
+                  <a:noFill/>
+                </a:ln>
+                <a:solidFill>
+                  <a:schemeClr val="tx1"/>
+                </a:solidFill>
+                <a:effectLst/>
+                <a:latin typeface="Google Sans Text"/>
+              </a:rPr>
+              <a:t>Self-Correction:</a:t>
+            </a:r>
+            <a:r>
+              <a:rPr kumimoji="0" lang="en-US" altLang="en-US" sz="1800" b="0" i="0" u="none" strike="noStrike" cap="none" normalizeH="0" baseline="0" dirty="0">
+                <a:ln>
+                  <a:noFill/>
+                </a:ln>
+                <a:solidFill>
+                  <a:schemeClr val="tx1"/>
+                </a:solidFill>
+                <a:effectLst/>
+                <a:latin typeface="Google Sans Text"/>
+              </a:rPr>
+              <a:t> The LLM writes code, runs it, sees an error, and loops back to fix it.</a:t>
+            </a:r>
+          </a:p>
+          <a:p>
+            <a:pPr marL="457200" marR="0" lvl="1" indent="0" algn="l" defTabSz="914400" rtl="0" eaLnBrk="0" fontAlgn="base" latinLnBrk="0" hangingPunct="0">
+              <a:lnSpc>
+                <a:spcPct val="100000"/>
+              </a:lnSpc>
+              <a:spcBef>
+                <a:spcPct val="0"/>
+              </a:spcBef>
+              <a:spcAft>
+                <a:spcPct val="0"/>
+              </a:spcAft>
+              <a:buClrTx/>
+              <a:buSzTx/>
+              <a:buFontTx/>
+              <a:buChar char="•"/>
+              <a:tabLst/>
+            </a:pPr>
+            <a:r>
+              <a:rPr kumimoji="0" lang="en-US" altLang="en-US" sz="1800" b="1" i="0" u="none" strike="noStrike" cap="none" normalizeH="0" baseline="0" dirty="0">
+                <a:ln>
+                  <a:noFill/>
+                </a:ln>
+                <a:solidFill>
+                  <a:schemeClr val="tx1"/>
+                </a:solidFill>
+                <a:effectLst/>
+                <a:latin typeface="Google Sans Text"/>
+              </a:rPr>
+              <a:t>Multi-Agent:</a:t>
+            </a:r>
+            <a:r>
+              <a:rPr kumimoji="0" lang="en-US" altLang="en-US" sz="1800" b="0" i="0" u="none" strike="noStrike" cap="none" normalizeH="0" baseline="0" dirty="0">
+                <a:ln>
+                  <a:noFill/>
+                </a:ln>
+                <a:solidFill>
+                  <a:schemeClr val="tx1"/>
+                </a:solidFill>
+                <a:effectLst/>
+                <a:latin typeface="Google Sans Text"/>
+              </a:rPr>
+              <a:t> One agent plans a trip, and another agent checks flight prices,</a:t>
+            </a:r>
+          </a:p>
+          <a:p>
+            <a:pPr marL="457200" marR="0" lvl="1" indent="0" algn="l" defTabSz="914400" rtl="0" eaLnBrk="0" fontAlgn="base" latinLnBrk="0" hangingPunct="0">
+              <a:lnSpc>
+                <a:spcPct val="100000"/>
+              </a:lnSpc>
+              <a:spcBef>
+                <a:spcPct val="0"/>
+              </a:spcBef>
+              <a:spcAft>
+                <a:spcPct val="0"/>
+              </a:spcAft>
+              <a:buClrTx/>
+              <a:buSzTx/>
+              <a:buNone/>
+              <a:tabLst/>
+            </a:pPr>
+            <a:r>
+              <a:rPr lang="en-US" altLang="en-US" sz="1800" dirty="0">
+                <a:solidFill>
+                  <a:schemeClr val="tx1"/>
+                </a:solidFill>
+                <a:latin typeface="Google Sans Text"/>
+              </a:rPr>
+              <a:t>	</a:t>
+            </a:r>
+            <a:r>
+              <a:rPr kumimoji="0" lang="en-US" altLang="en-US" sz="1800" b="0" i="0" u="none" strike="noStrike" cap="none" normalizeH="0" baseline="0" dirty="0">
+                <a:ln>
+                  <a:noFill/>
+                </a:ln>
+                <a:solidFill>
+                  <a:schemeClr val="tx1"/>
+                </a:solidFill>
+                <a:effectLst/>
+                <a:latin typeface="Google Sans Text"/>
+              </a:rPr>
+              <a:t> communicating back and forth until a budget is met.</a:t>
+            </a:r>
+          </a:p>
+          <a:p>
+            <a:pPr marL="457200" marR="0" lvl="1" indent="0" algn="l" defTabSz="914400" rtl="0" eaLnBrk="0" fontAlgn="base" latinLnBrk="0" hangingPunct="0">
+              <a:lnSpc>
+                <a:spcPct val="100000"/>
+              </a:lnSpc>
+              <a:spcBef>
+                <a:spcPct val="0"/>
+              </a:spcBef>
+              <a:spcAft>
+                <a:spcPct val="0"/>
+              </a:spcAft>
+              <a:buClrTx/>
+              <a:buSzTx/>
+              <a:buFontTx/>
+              <a:buChar char="•"/>
+              <a:tabLst/>
+            </a:pPr>
+            <a:r>
+              <a:rPr kumimoji="0" lang="en-US" altLang="en-US" sz="1800" b="1" i="0" u="none" strike="noStrike" cap="none" normalizeH="0" baseline="0" dirty="0">
+                <a:ln>
+                  <a:noFill/>
+                </a:ln>
+                <a:solidFill>
+                  <a:schemeClr val="tx1"/>
+                </a:solidFill>
+                <a:effectLst/>
+                <a:latin typeface="Google Sans Text"/>
+              </a:rPr>
+              <a:t>Human-in-the-loop:</a:t>
+            </a:r>
+            <a:r>
+              <a:rPr kumimoji="0" lang="en-US" altLang="en-US" sz="1800" b="0" i="0" u="none" strike="noStrike" cap="none" normalizeH="0" baseline="0" dirty="0">
+                <a:ln>
+                  <a:noFill/>
+                </a:ln>
+                <a:solidFill>
+                  <a:schemeClr val="tx1"/>
+                </a:solidFill>
+                <a:effectLst/>
+                <a:latin typeface="Google Sans Text"/>
+              </a:rPr>
+              <a:t> </a:t>
+            </a:r>
+          </a:p>
+          <a:p>
+            <a:pPr marL="960988" lvl="2" indent="0" defTabSz="914400" eaLnBrk="0" fontAlgn="base" hangingPunct="0">
+              <a:spcBef>
+                <a:spcPct val="0"/>
+              </a:spcBef>
+              <a:spcAft>
+                <a:spcPct val="0"/>
+              </a:spcAft>
+              <a:buClrTx/>
+              <a:buSzTx/>
+              <a:buNone/>
+            </a:pPr>
+            <a:r>
+              <a:rPr kumimoji="0" lang="en-US" altLang="en-US" sz="1579" b="0" i="0" u="none" strike="noStrike" cap="none" normalizeH="0" baseline="0" dirty="0">
+                <a:ln>
+                  <a:noFill/>
+                </a:ln>
+                <a:solidFill>
+                  <a:schemeClr val="tx1"/>
+                </a:solidFill>
+                <a:effectLst/>
+                <a:latin typeface="Google Sans Text"/>
+              </a:rPr>
+              <a:t>The agent pauses execution to wait for a human to click "Approve" before sending an email.</a:t>
+            </a:r>
+          </a:p>
+          <a:p>
+            <a:pPr marL="0" marR="0" lvl="0" indent="0" algn="l" defTabSz="914400" rtl="0" eaLnBrk="0" fontAlgn="base" latinLnBrk="0" hangingPunct="0">
+              <a:lnSpc>
+                <a:spcPct val="100000"/>
+              </a:lnSpc>
+              <a:spcBef>
+                <a:spcPct val="0"/>
+              </a:spcBef>
+              <a:spcAft>
+                <a:spcPct val="0"/>
+              </a:spcAft>
+              <a:buClrTx/>
+              <a:buSzTx/>
+              <a:buFontTx/>
+              <a:buNone/>
+              <a:tabLst/>
+            </a:pPr>
+            <a:endParaRPr kumimoji="0" lang="en-US" altLang="en-US" sz="1800" b="0" i="0" u="none" strike="noStrike" cap="none" normalizeH="0" baseline="0" dirty="0">
+              <a:ln>
+                <a:noFill/>
+              </a:ln>
+              <a:solidFill>
+                <a:schemeClr val="tx1"/>
+              </a:solidFill>
+              <a:effectLst/>
+              <a:latin typeface="Arial" panose="020B0604020202020204" pitchFamily="34" charset="0"/>
+            </a:endParaRPr>
+          </a:p>
+        </p:txBody>
+      </p:sp>
+    </p:spTree>
+    <p:extLst>
+      <p:ext uri="{BB962C8B-B14F-4D97-AF65-F5344CB8AC3E}">
+        <p14:creationId xmlns:p14="http://schemas.microsoft.com/office/powerpoint/2010/main" val="2422949416"/>
+      </p:ext>
+    </p:extLst>
   </p:cSld>
   <p:clrMapOvr>
     <a:masterClrMapping/>
